--- a/TCP CHAT dokumentacija.pptx
+++ b/TCP CHAT dokumentacija.pptx
@@ -14,6 +14,7 @@
     <p:sldId id="262" r:id="rId8"/>
     <p:sldId id="263" r:id="rId9"/>
     <p:sldId id="264" r:id="rId10"/>
+    <p:sldId id="265" r:id="rId11"/>
   </p:sldIdLst>
   <p:sldSz cx="12192000" cy="6858000"/>
   <p:notesSz cx="6858000" cy="9144000"/>
@@ -3981,6 +3982,280 @@
 </p:sld>
 </file>
 
+<file path=ppt/slides/slide10.xml><?xml version="1.0" encoding="utf-8"?>
+<p:sld xmlns:a="http://schemas.openxmlformats.org/drawingml/2006/main" xmlns:r="http://schemas.openxmlformats.org/officeDocument/2006/relationships" xmlns:p="http://schemas.openxmlformats.org/presentationml/2006/main">
+  <p:cSld>
+    <p:spTree>
+      <p:nvGrpSpPr>
+        <p:cNvPr id="1" name=""/>
+        <p:cNvGrpSpPr/>
+        <p:nvPr/>
+      </p:nvGrpSpPr>
+      <p:grpSpPr>
+        <a:xfrm>
+          <a:off x="0" y="0"/>
+          <a:ext cx="0" cy="0"/>
+          <a:chOff x="0" y="0"/>
+          <a:chExt cx="0" cy="0"/>
+        </a:xfrm>
+      </p:grpSpPr>
+      <p:sp>
+        <p:nvSpPr>
+          <p:cNvPr id="2" name="Title 1">
+            <a:extLst>
+              <a:ext uri="{FF2B5EF4-FFF2-40B4-BE49-F238E27FC236}">
+                <a16:creationId xmlns:a16="http://schemas.microsoft.com/office/drawing/2014/main" id="{B34EFFF6-7B96-9D85-71B3-B0B173C0398B}"/>
+              </a:ext>
+            </a:extLst>
+          </p:cNvPr>
+          <p:cNvSpPr>
+            <a:spLocks noGrp="1"/>
+          </p:cNvSpPr>
+          <p:nvPr>
+            <p:ph type="title"/>
+          </p:nvPr>
+        </p:nvSpPr>
+        <p:spPr/>
+        <p:txBody>
+          <a:bodyPr/>
+          <a:lstStyle/>
+          <a:p>
+            <a:pPr algn="ctr"/>
+            <a:r>
+              <a:rPr lang="en-US" dirty="0" err="1"/>
+              <a:t>Uputstvo</a:t>
+            </a:r>
+            <a:r>
+              <a:rPr lang="en-US" dirty="0"/>
+              <a:t> za </a:t>
+            </a:r>
+            <a:r>
+              <a:rPr lang="en-US" dirty="0" err="1"/>
+              <a:t>pokretanje</a:t>
+            </a:r>
+            <a:r>
+              <a:rPr lang="en-US" dirty="0"/>
+              <a:t> </a:t>
+            </a:r>
+            <a:r>
+              <a:rPr lang="en-US" dirty="0" err="1"/>
+              <a:t>programa</a:t>
+            </a:r>
+            <a:endParaRPr lang="sr-Latn-RS" dirty="0"/>
+          </a:p>
+        </p:txBody>
+      </p:sp>
+      <p:sp>
+        <p:nvSpPr>
+          <p:cNvPr id="3" name="Content Placeholder 2">
+            <a:extLst>
+              <a:ext uri="{FF2B5EF4-FFF2-40B4-BE49-F238E27FC236}">
+                <a16:creationId xmlns:a16="http://schemas.microsoft.com/office/drawing/2014/main" id="{431C8157-1327-4C1D-33C4-45B76BCCB026}"/>
+              </a:ext>
+            </a:extLst>
+          </p:cNvPr>
+          <p:cNvSpPr>
+            <a:spLocks noGrp="1"/>
+          </p:cNvSpPr>
+          <p:nvPr>
+            <p:ph idx="1"/>
+          </p:nvPr>
+        </p:nvSpPr>
+        <p:spPr/>
+        <p:txBody>
+          <a:bodyPr/>
+          <a:lstStyle/>
+          <a:p>
+            <a:pPr algn="just"/>
+            <a:r>
+              <a:rPr lang="en-US" dirty="0" err="1"/>
+              <a:t>Prvo</a:t>
+            </a:r>
+            <a:r>
+              <a:rPr lang="en-US" dirty="0"/>
+              <a:t> je </a:t>
+            </a:r>
+            <a:r>
+              <a:rPr lang="en-US" dirty="0" err="1"/>
+              <a:t>potrebno</a:t>
+            </a:r>
+            <a:r>
+              <a:rPr lang="en-US" dirty="0"/>
+              <a:t> </a:t>
+            </a:r>
+            <a:r>
+              <a:rPr lang="en-US" dirty="0" err="1"/>
+              <a:t>pokrenuti</a:t>
+            </a:r>
+            <a:r>
+              <a:rPr lang="en-US" dirty="0"/>
+              <a:t> </a:t>
+            </a:r>
+            <a:r>
+              <a:rPr lang="en-US" dirty="0" err="1"/>
+              <a:t>serverski</a:t>
+            </a:r>
+            <a:r>
+              <a:rPr lang="en-US" dirty="0"/>
+              <a:t> program </a:t>
+            </a:r>
+            <a:r>
+              <a:rPr lang="en-US" dirty="0" err="1"/>
+              <a:t>komandom</a:t>
+            </a:r>
+            <a:r>
+              <a:rPr lang="en-US" dirty="0"/>
+              <a:t>:</a:t>
+            </a:r>
+          </a:p>
+          <a:p>
+            <a:pPr lvl="1" algn="just"/>
+            <a:r>
+              <a:rPr lang="en-US" dirty="0"/>
+              <a:t>./server</a:t>
+            </a:r>
+          </a:p>
+          <a:p>
+            <a:pPr algn="just"/>
+            <a:endParaRPr lang="en-US" dirty="0"/>
+          </a:p>
+          <a:p>
+            <a:pPr algn="just"/>
+            <a:r>
+              <a:rPr lang="en-US" dirty="0" err="1"/>
+              <a:t>Nakon</a:t>
+            </a:r>
+            <a:r>
+              <a:rPr lang="en-US" dirty="0"/>
+              <a:t> toga se </a:t>
+            </a:r>
+            <a:r>
+              <a:rPr lang="en-US" dirty="0" err="1"/>
+              <a:t>pokreću</a:t>
+            </a:r>
+            <a:r>
+              <a:rPr lang="en-US" dirty="0"/>
+              <a:t> </a:t>
+            </a:r>
+            <a:r>
+              <a:rPr lang="en-US" dirty="0" err="1"/>
+              <a:t>klijenti</a:t>
+            </a:r>
+            <a:r>
+              <a:rPr lang="en-US" dirty="0"/>
+              <a:t>, </a:t>
+            </a:r>
+            <a:r>
+              <a:rPr lang="en-US" dirty="0" err="1"/>
+              <a:t>maksimalno</a:t>
+            </a:r>
+            <a:r>
+              <a:rPr lang="en-US" dirty="0"/>
+              <a:t> </a:t>
+            </a:r>
+            <a:r>
+              <a:rPr lang="en-US" dirty="0" err="1"/>
+              <a:t>njih</a:t>
+            </a:r>
+            <a:r>
+              <a:rPr lang="en-US" dirty="0"/>
+              <a:t> MAX_CLIENTS, </a:t>
+            </a:r>
+            <a:r>
+              <a:rPr lang="en-US" dirty="0" err="1"/>
+              <a:t>i</a:t>
+            </a:r>
+            <a:r>
+              <a:rPr lang="en-US" dirty="0"/>
+              <a:t> </a:t>
+            </a:r>
+            <a:r>
+              <a:rPr lang="en-US" dirty="0" err="1"/>
+              <a:t>kao</a:t>
+            </a:r>
+            <a:r>
+              <a:rPr lang="en-US" dirty="0"/>
+              <a:t> argument </a:t>
+            </a:r>
+            <a:r>
+              <a:rPr lang="en-US" dirty="0" err="1"/>
+              <a:t>komandne</a:t>
+            </a:r>
+            <a:r>
+              <a:rPr lang="en-US" dirty="0"/>
+              <a:t> </a:t>
+            </a:r>
+            <a:r>
+              <a:rPr lang="en-US" dirty="0" err="1"/>
+              <a:t>linije</a:t>
+            </a:r>
+            <a:r>
+              <a:rPr lang="en-US" dirty="0"/>
+              <a:t> se </a:t>
+            </a:r>
+            <a:r>
+              <a:rPr lang="en-US" dirty="0" err="1"/>
+              <a:t>unosi</a:t>
+            </a:r>
+            <a:r>
+              <a:rPr lang="en-US" dirty="0"/>
+              <a:t> </a:t>
+            </a:r>
+            <a:r>
+              <a:rPr lang="en-US" dirty="0" err="1"/>
+              <a:t>korisničko</a:t>
+            </a:r>
+            <a:r>
+              <a:rPr lang="en-US" dirty="0"/>
+              <a:t> </a:t>
+            </a:r>
+            <a:r>
+              <a:rPr lang="en-US" dirty="0" err="1"/>
+              <a:t>ime</a:t>
+            </a:r>
+            <a:r>
+              <a:rPr lang="en-US" dirty="0"/>
+              <a:t> od </a:t>
+            </a:r>
+            <a:r>
+              <a:rPr lang="en-US" dirty="0" err="1"/>
+              <a:t>maksimalno</a:t>
+            </a:r>
+            <a:r>
+              <a:rPr lang="en-US" dirty="0"/>
+              <a:t> 20 </a:t>
+            </a:r>
+            <a:r>
+              <a:rPr lang="en-US" dirty="0" err="1"/>
+              <a:t>karaktera</a:t>
+            </a:r>
+            <a:r>
+              <a:rPr lang="en-US" dirty="0"/>
+              <a:t>:</a:t>
+            </a:r>
+          </a:p>
+          <a:p>
+            <a:pPr lvl="1" algn="just"/>
+            <a:r>
+              <a:rPr lang="en-US" dirty="0"/>
+              <a:t>./client KORISNIČKO_IME</a:t>
+            </a:r>
+          </a:p>
+        </p:txBody>
+      </p:sp>
+    </p:spTree>
+    <p:extLst>
+      <p:ext uri="{BB962C8B-B14F-4D97-AF65-F5344CB8AC3E}">
+        <p14:creationId xmlns:p14="http://schemas.microsoft.com/office/powerpoint/2010/main" val="1471750229"/>
+      </p:ext>
+    </p:extLst>
+  </p:cSld>
+  <p:clrMapOvr>
+    <a:masterClrMapping/>
+  </p:clrMapOvr>
+</p:sld>
+</file>
+
 <file path=ppt/slides/slide2.xml><?xml version="1.0" encoding="utf-8"?>
 <p:sld xmlns:a="http://schemas.openxmlformats.org/drawingml/2006/main" xmlns:r="http://schemas.openxmlformats.org/officeDocument/2006/relationships" xmlns:p="http://schemas.openxmlformats.org/presentationml/2006/main">
   <p:cSld>

--- a/TCP CHAT dokumentacija.pptx
+++ b/TCP CHAT dokumentacija.pptx
@@ -4063,8 +4063,113 @@
         </p:nvSpPr>
         <p:spPr/>
         <p:txBody>
-          <a:bodyPr/>
-          <a:lstStyle/>
+          <a:bodyPr>
+            <a:normAutofit fontScale="92500" lnSpcReduction="10000"/>
+          </a:bodyPr>
+          <a:lstStyle/>
+          <a:p>
+            <a:pPr algn="just"/>
+            <a:r>
+              <a:rPr lang="en-US" dirty="0" err="1"/>
+              <a:t>Kompajliranje</a:t>
+            </a:r>
+            <a:r>
+              <a:rPr lang="en-US" dirty="0"/>
+              <a:t> </a:t>
+            </a:r>
+            <a:r>
+              <a:rPr lang="en-US" dirty="0" err="1"/>
+              <a:t>programa</a:t>
+            </a:r>
+            <a:r>
+              <a:rPr lang="en-US" dirty="0"/>
+              <a:t> se, </a:t>
+            </a:r>
+            <a:r>
+              <a:rPr lang="en-US" dirty="0" err="1"/>
+              <a:t>zbog</a:t>
+            </a:r>
+            <a:r>
+              <a:rPr lang="en-US" dirty="0"/>
+              <a:t> </a:t>
+            </a:r>
+            <a:r>
+              <a:rPr lang="en-US" dirty="0" err="1"/>
+              <a:t>threadova</a:t>
+            </a:r>
+            <a:r>
+              <a:rPr lang="en-US" dirty="0"/>
+              <a:t>, </a:t>
+            </a:r>
+            <a:r>
+              <a:rPr lang="en-US" dirty="0" err="1"/>
+              <a:t>vrši</a:t>
+            </a:r>
+            <a:r>
+              <a:rPr lang="en-US" dirty="0"/>
+              <a:t> </a:t>
+            </a:r>
+            <a:r>
+              <a:rPr lang="en-US" dirty="0" err="1"/>
+              <a:t>komandama</a:t>
+            </a:r>
+            <a:r>
+              <a:rPr lang="en-US" dirty="0"/>
+              <a:t>:</a:t>
+            </a:r>
+          </a:p>
+          <a:p>
+            <a:pPr lvl="1" algn="just"/>
+            <a:r>
+              <a:rPr lang="en-US" dirty="0" err="1"/>
+              <a:t>gcc</a:t>
+            </a:r>
+            <a:r>
+              <a:rPr lang="en-US" dirty="0"/>
+              <a:t> -(l)</a:t>
+            </a:r>
+            <a:r>
+              <a:rPr lang="en-US" dirty="0" err="1"/>
+              <a:t>pthread</a:t>
+            </a:r>
+            <a:r>
+              <a:rPr lang="en-US" dirty="0"/>
+              <a:t> -o server </a:t>
+            </a:r>
+            <a:r>
+              <a:rPr lang="en-US" dirty="0" err="1"/>
+              <a:t>server.c</a:t>
+            </a:r>
+            <a:endParaRPr lang="en-US" dirty="0"/>
+          </a:p>
+          <a:p>
+            <a:pPr lvl="1" algn="just"/>
+            <a:r>
+              <a:rPr lang="en-US" dirty="0" err="1"/>
+              <a:t>gcc</a:t>
+            </a:r>
+            <a:r>
+              <a:rPr lang="en-US" dirty="0"/>
+              <a:t> -(l)</a:t>
+            </a:r>
+            <a:r>
+              <a:rPr lang="en-US" dirty="0" err="1"/>
+              <a:t>pthread</a:t>
+            </a:r>
+            <a:r>
+              <a:rPr lang="en-US" dirty="0"/>
+              <a:t> -o client </a:t>
+            </a:r>
+            <a:r>
+              <a:rPr lang="en-US" dirty="0" err="1"/>
+              <a:t>client.c</a:t>
+            </a:r>
+            <a:endParaRPr lang="en-US" dirty="0"/>
+          </a:p>
+          <a:p>
+            <a:pPr algn="just"/>
+            <a:endParaRPr lang="en-US" dirty="0"/>
+          </a:p>
           <a:p>
             <a:pPr algn="just"/>
             <a:r>
